--- a/android/sound/doc/slides.pptx
+++ b/android/sound/doc/slides.pptx
@@ -202,7 +202,7 @@
           <a:p>
             <a:fld id="{84D1C3FE-8D8F-4904-A74C-66372DC28DCF}" type="datetimeFigureOut">
               <a:rPr lang="en-US" smtClean="0"/>
-              <a:t>7/30/2015</a:t>
+              <a:t>8/6/2015</a:t>
             </a:fld>
             <a:endParaRPr lang="en-US"/>
           </a:p>
@@ -5332,7 +5332,7 @@
       </p:sp>
       <p:pic>
         <p:nvPicPr>
-          <p:cNvPr id="8" name="Picture 7"/>
+          <p:cNvPr id="3" name="Picture 2"/>
           <p:cNvPicPr>
             <a:picLocks noChangeAspect="1"/>
           </p:cNvPicPr>
@@ -5352,8 +5352,8 @@
         </p:blipFill>
         <p:spPr>
           <a:xfrm>
-            <a:off x="1042601" y="1285400"/>
-            <a:ext cx="3857625" cy="5105580"/>
+            <a:off x="1888541" y="1161482"/>
+            <a:ext cx="2941594" cy="5229498"/>
           </a:xfrm>
           <a:prstGeom prst="rect">
             <a:avLst/>
@@ -5362,7 +5362,7 @@
       </p:pic>
       <p:pic>
         <p:nvPicPr>
-          <p:cNvPr id="9" name="Picture 8"/>
+          <p:cNvPr id="10" name="Picture 9"/>
           <p:cNvPicPr>
             <a:picLocks noChangeAspect="1"/>
           </p:cNvPicPr>
@@ -5382,8 +5382,8 @@
         </p:blipFill>
         <p:spPr>
           <a:xfrm>
-            <a:off x="5767563" y="1285400"/>
-            <a:ext cx="3857625" cy="5105580"/>
+            <a:off x="5502598" y="1161482"/>
+            <a:ext cx="2995748" cy="5229498"/>
           </a:xfrm>
           <a:prstGeom prst="rect">
             <a:avLst/>
@@ -5703,7 +5703,7 @@
       </p:sp>
       <p:pic>
         <p:nvPicPr>
-          <p:cNvPr id="2" name="Picture 1"/>
+          <p:cNvPr id="9" name="Picture 8"/>
           <p:cNvPicPr>
             <a:picLocks noChangeAspect="1"/>
           </p:cNvPicPr>
@@ -5723,8 +5723,8 @@
         </p:blipFill>
         <p:spPr>
           <a:xfrm>
-            <a:off x="6043757" y="738259"/>
-            <a:ext cx="3857625" cy="5569131"/>
+            <a:off x="6300619" y="730313"/>
+            <a:ext cx="3222170" cy="5728300"/>
           </a:xfrm>
           <a:prstGeom prst="rect">
             <a:avLst/>
